--- a/resources/xdi2-connector-personal.pptx
+++ b/resources/xdi2-connector-personal.pptx
@@ -3602,8 +3602,8 @@
         </p:nvSpPr>
         <p:spPr>
           <a:xfrm>
-            <a:off x="208344" y="1911123"/>
-            <a:ext cx="4502455" cy="4495132"/>
+            <a:off x="208344" y="1550391"/>
+            <a:ext cx="4927536" cy="4919522"/>
           </a:xfrm>
           <a:prstGeom prst="rect">
             <a:avLst/>
@@ -3658,9 +3658,9 @@
           <p:nvPr/>
         </p:nvSpPr>
         <p:spPr>
-          <a:xfrm rot="2108278">
-            <a:off x="441074" y="5210664"/>
-            <a:ext cx="11042465" cy="2136673"/>
+          <a:xfrm rot="2001391">
+            <a:off x="523712" y="4489216"/>
+            <a:ext cx="11042465" cy="2916426"/>
           </a:xfrm>
           <a:prstGeom prst="chord">
             <a:avLst>
@@ -3723,7 +3723,7 @@
         </p:nvSpPr>
         <p:spPr>
           <a:xfrm>
-            <a:off x="342900" y="366184"/>
+            <a:off x="342900" y="305224"/>
             <a:ext cx="6172200" cy="540987"/>
           </a:xfrm>
         </p:spPr>
@@ -3749,7 +3749,7 @@
         </p:nvSpPr>
         <p:spPr>
           <a:xfrm>
-            <a:off x="466705" y="1060450"/>
+            <a:off x="466705" y="991870"/>
             <a:ext cx="5943367" cy="461665"/>
           </a:xfrm>
           <a:prstGeom prst="rect">
@@ -3794,7 +3794,7 @@
         </p:nvSpPr>
         <p:spPr>
           <a:xfrm>
-            <a:off x="4398526" y="3353012"/>
+            <a:off x="3495555" y="3234289"/>
             <a:ext cx="2268973" cy="537746"/>
           </a:xfrm>
           <a:prstGeom prst="rect">
@@ -3905,7 +3905,7 @@
         </p:nvSpPr>
         <p:spPr>
           <a:xfrm>
-            <a:off x="500577" y="2423592"/>
+            <a:off x="500577" y="2136082"/>
             <a:ext cx="183071" cy="183071"/>
           </a:xfrm>
           <a:prstGeom prst="ellipse">
@@ -3952,7 +3952,7 @@
         </p:nvCxnSpPr>
         <p:spPr>
           <a:xfrm rot="16200000" flipH="1" flipV="1">
-            <a:off x="1135790" y="1879913"/>
+            <a:off x="1135790" y="1592403"/>
             <a:ext cx="1" cy="1087355"/>
           </a:xfrm>
           <a:prstGeom prst="curvedConnector3">
@@ -3992,7 +3992,7 @@
         </p:nvSpPr>
         <p:spPr>
           <a:xfrm>
-            <a:off x="935344" y="1911124"/>
+            <a:off x="935344" y="1623614"/>
             <a:ext cx="387083" cy="307777"/>
           </a:xfrm>
           <a:prstGeom prst="rect">
@@ -4065,7 +4065,7 @@
         </p:nvSpPr>
         <p:spPr>
           <a:xfrm>
-            <a:off x="1587932" y="2423591"/>
+            <a:off x="1587932" y="2136081"/>
             <a:ext cx="183071" cy="183071"/>
           </a:xfrm>
           <a:prstGeom prst="ellipse">
@@ -4112,7 +4112,7 @@
         </p:nvCxnSpPr>
         <p:spPr>
           <a:xfrm flipV="1">
-            <a:off x="683648" y="2515127"/>
+            <a:off x="683648" y="2227617"/>
             <a:ext cx="904284" cy="1"/>
           </a:xfrm>
           <a:prstGeom prst="curvedConnector3">
@@ -4151,7 +4151,7 @@
         </p:nvSpPr>
         <p:spPr>
           <a:xfrm>
-            <a:off x="735447" y="2207350"/>
+            <a:off x="735447" y="1919840"/>
             <a:ext cx="805416" cy="307777"/>
           </a:xfrm>
           <a:prstGeom prst="rect">
@@ -4185,8 +4185,8 @@
         </p:nvCxnSpPr>
         <p:spPr>
           <a:xfrm rot="16200000" flipH="1">
-            <a:off x="-70676" y="3269451"/>
-            <a:ext cx="2382590" cy="1057013"/>
+            <a:off x="-214431" y="3125696"/>
+            <a:ext cx="2670100" cy="1057013"/>
           </a:xfrm>
           <a:prstGeom prst="curvedConnector2">
             <a:avLst/>
@@ -4505,8 +4505,8 @@
         </p:nvCxnSpPr>
         <p:spPr>
           <a:xfrm rot="16200000" flipH="1">
-            <a:off x="-1463872" y="4662647"/>
-            <a:ext cx="5146099" cy="1034129"/>
+            <a:off x="-1607627" y="4518892"/>
+            <a:ext cx="5433609" cy="1034129"/>
           </a:xfrm>
           <a:prstGeom prst="curvedConnector2">
             <a:avLst/>
@@ -4740,7 +4740,7 @@
         </p:nvSpPr>
         <p:spPr>
           <a:xfrm>
-            <a:off x="2286181" y="2065013"/>
+            <a:off x="2286181" y="1777503"/>
             <a:ext cx="2383700" cy="541650"/>
           </a:xfrm>
           <a:prstGeom prst="rect">
@@ -4813,13 +4813,14 @@
           <p:cNvPr id="144" name="Curved Connector 7"/>
           <p:cNvCxnSpPr>
             <a:stCxn id="64" idx="4"/>
+            <a:endCxn id="297" idx="2"/>
           </p:cNvCxnSpPr>
           <p:nvPr/>
         </p:nvCxnSpPr>
         <p:spPr>
           <a:xfrm rot="16200000" flipH="1">
-            <a:off x="812886" y="2385889"/>
-            <a:ext cx="645808" cy="1087355"/>
+            <a:off x="805598" y="2105667"/>
+            <a:ext cx="660384" cy="1087355"/>
           </a:xfrm>
           <a:prstGeom prst="curvedConnector2">
             <a:avLst/>
@@ -4855,7 +4856,7 @@
         </p:nvSpPr>
         <p:spPr>
           <a:xfrm>
-            <a:off x="773063" y="2691308"/>
+            <a:off x="773063" y="2403798"/>
             <a:ext cx="1843710" cy="307777"/>
           </a:xfrm>
           <a:prstGeom prst="rect">
@@ -4882,14 +4883,15 @@
         <p:nvCxnSpPr>
           <p:cNvPr id="149" name="Curved Connector 148"/>
           <p:cNvCxnSpPr>
+            <a:stCxn id="297" idx="4"/>
             <a:endCxn id="153" idx="2"/>
           </p:cNvCxnSpPr>
           <p:nvPr/>
         </p:nvCxnSpPr>
         <p:spPr>
           <a:xfrm rot="16200000" flipH="1">
-            <a:off x="1843216" y="3271793"/>
-            <a:ext cx="393504" cy="537929"/>
+            <a:off x="1619119" y="3222956"/>
+            <a:ext cx="1001718" cy="697949"/>
           </a:xfrm>
           <a:prstGeom prst="curvedConnector2">
             <a:avLst/>
@@ -4925,7 +4927,7 @@
         </p:nvSpPr>
         <p:spPr>
           <a:xfrm>
-            <a:off x="2137325" y="3312933"/>
+            <a:off x="1870937" y="3407036"/>
             <a:ext cx="697628" cy="307777"/>
           </a:xfrm>
           <a:prstGeom prst="rect">
@@ -4956,7 +4958,7 @@
         </p:nvSpPr>
         <p:spPr>
           <a:xfrm>
-            <a:off x="2308933" y="3645974"/>
+            <a:off x="2468953" y="3981254"/>
             <a:ext cx="183071" cy="183071"/>
           </a:xfrm>
           <a:prstGeom prst="ellipse">
@@ -5624,8 +5626,8 @@
         </p:nvCxnSpPr>
         <p:spPr>
           <a:xfrm rot="16200000" flipH="1">
-            <a:off x="4012542" y="5337465"/>
-            <a:ext cx="490733" cy="823945"/>
+            <a:off x="4069692" y="5394615"/>
+            <a:ext cx="376433" cy="823945"/>
           </a:xfrm>
           <a:prstGeom prst="curvedConnector2">
             <a:avLst/>
@@ -5707,7 +5709,7 @@
         </p:nvSpPr>
         <p:spPr>
           <a:xfrm>
-            <a:off x="3970099" y="5460825"/>
+            <a:off x="3970099" y="5506545"/>
             <a:ext cx="1231171" cy="307777"/>
           </a:xfrm>
           <a:prstGeom prst="rect">
@@ -5746,7 +5748,7 @@
         </p:nvSpPr>
         <p:spPr>
           <a:xfrm>
-            <a:off x="3357248" y="6665918"/>
+            <a:off x="3775975" y="6665918"/>
             <a:ext cx="388248" cy="307777"/>
           </a:xfrm>
           <a:prstGeom prst="rect">
@@ -5848,7 +5850,7 @@
         </p:nvSpPr>
         <p:spPr>
           <a:xfrm>
-            <a:off x="3172165" y="4818998"/>
+            <a:off x="3172165" y="5001878"/>
             <a:ext cx="183071" cy="183071"/>
           </a:xfrm>
           <a:prstGeom prst="ellipse">
@@ -5897,8 +5899,8 @@
         </p:nvCxnSpPr>
         <p:spPr>
           <a:xfrm rot="16200000" flipH="1">
-            <a:off x="2245573" y="3983941"/>
-            <a:ext cx="1081489" cy="771696"/>
+            <a:off x="2401783" y="4323031"/>
+            <a:ext cx="929089" cy="611676"/>
           </a:xfrm>
           <a:prstGeom prst="curvedConnector2">
             <a:avLst/>
@@ -5934,7 +5936,7 @@
         </p:nvSpPr>
         <p:spPr>
           <a:xfrm>
-            <a:off x="2644765" y="4350351"/>
+            <a:off x="2644765" y="4495131"/>
             <a:ext cx="590354" cy="307777"/>
           </a:xfrm>
           <a:prstGeom prst="rect">
@@ -5965,7 +5967,7 @@
         </p:nvSpPr>
         <p:spPr>
           <a:xfrm>
-            <a:off x="3754400" y="5321001"/>
+            <a:off x="3754400" y="5435301"/>
             <a:ext cx="183071" cy="183071"/>
           </a:xfrm>
           <a:prstGeom prst="ellipse">
@@ -6006,13 +6008,16 @@
       <p:cxnSp>
         <p:nvCxnSpPr>
           <p:cNvPr id="220" name="Curved Connector 219"/>
-          <p:cNvCxnSpPr/>
+          <p:cNvCxnSpPr>
+            <a:stCxn id="210" idx="4"/>
+            <a:endCxn id="217" idx="2"/>
+          </p:cNvCxnSpPr>
           <p:nvPr/>
         </p:nvCxnSpPr>
         <p:spPr>
           <a:xfrm rot="16200000" flipH="1">
-            <a:off x="3304873" y="4959943"/>
-            <a:ext cx="416090" cy="500342"/>
+            <a:off x="3338106" y="5110543"/>
+            <a:ext cx="341888" cy="490699"/>
           </a:xfrm>
           <a:prstGeom prst="curvedConnector2">
             <a:avLst/>
@@ -6048,7 +6053,7 @@
         </p:nvSpPr>
         <p:spPr>
           <a:xfrm>
-            <a:off x="3355236" y="4964391"/>
+            <a:off x="3347616" y="5078691"/>
             <a:ext cx="1164229" cy="307777"/>
           </a:xfrm>
           <a:prstGeom prst="rect">
@@ -6087,7 +6092,7 @@
         </p:nvSpPr>
         <p:spPr>
           <a:xfrm>
-            <a:off x="4710799" y="4831260"/>
+            <a:off x="4710799" y="4953180"/>
             <a:ext cx="194513" cy="194513"/>
           </a:xfrm>
           <a:prstGeom prst="rect">
@@ -6134,8 +6139,8 @@
         </p:nvCxnSpPr>
         <p:spPr>
           <a:xfrm rot="16200000" flipH="1">
-            <a:off x="4170728" y="4388446"/>
-            <a:ext cx="203880" cy="876262"/>
+            <a:off x="4151678" y="4491316"/>
+            <a:ext cx="241980" cy="876262"/>
           </a:xfrm>
           <a:prstGeom prst="curvedConnector2">
             <a:avLst/>
@@ -6173,7 +6178,7 @@
         </p:nvSpPr>
         <p:spPr>
           <a:xfrm>
-            <a:off x="4864171" y="4753163"/>
+            <a:off x="4864171" y="4882703"/>
             <a:ext cx="732573" cy="307777"/>
           </a:xfrm>
           <a:prstGeom prst="rect">
@@ -6211,7 +6216,7 @@
         </p:nvSpPr>
         <p:spPr>
           <a:xfrm>
-            <a:off x="2659621" y="3736870"/>
+            <a:off x="2659621" y="3980710"/>
             <a:ext cx="707245" cy="307777"/>
           </a:xfrm>
           <a:prstGeom prst="rect">
@@ -6249,8 +6254,8 @@
         </p:nvCxnSpPr>
         <p:spPr>
           <a:xfrm rot="16200000" flipH="1">
-            <a:off x="2597275" y="3632238"/>
-            <a:ext cx="360226" cy="753839"/>
+            <a:off x="2745865" y="3978948"/>
+            <a:ext cx="223066" cy="593819"/>
           </a:xfrm>
           <a:prstGeom prst="curvedConnector2">
             <a:avLst/>
@@ -6286,7 +6291,7 @@
         </p:nvSpPr>
         <p:spPr>
           <a:xfrm>
-            <a:off x="3154308" y="4097735"/>
+            <a:off x="3154308" y="4295855"/>
             <a:ext cx="183071" cy="183071"/>
           </a:xfrm>
           <a:prstGeom prst="ellipse">
@@ -6335,8 +6340,8 @@
         </p:nvCxnSpPr>
         <p:spPr>
           <a:xfrm rot="16200000" flipH="1">
-            <a:off x="3318274" y="4208375"/>
-            <a:ext cx="352296" cy="497157"/>
+            <a:off x="3375424" y="4349345"/>
+            <a:ext cx="237996" cy="497157"/>
           </a:xfrm>
           <a:prstGeom prst="curvedConnector2">
             <a:avLst/>
@@ -6372,7 +6377,7 @@
         </p:nvSpPr>
         <p:spPr>
           <a:xfrm>
-            <a:off x="3743001" y="4541566"/>
+            <a:off x="3743001" y="4625386"/>
             <a:ext cx="183071" cy="183071"/>
           </a:xfrm>
           <a:prstGeom prst="ellipse">
@@ -6448,7 +6453,7 @@
         </p:nvSpPr>
         <p:spPr>
           <a:xfrm>
-            <a:off x="4168689" y="4552317"/>
+            <a:off x="4168689" y="4697097"/>
             <a:ext cx="243138" cy="307777"/>
           </a:xfrm>
           <a:prstGeom prst="rect">
@@ -6573,7 +6578,7 @@
         </p:nvSpPr>
         <p:spPr>
           <a:xfrm>
-            <a:off x="1679468" y="3169941"/>
+            <a:off x="1679468" y="2888001"/>
             <a:ext cx="183071" cy="183071"/>
           </a:xfrm>
           <a:prstGeom prst="ellipse">
@@ -6719,6 +6724,196 @@
             <a:r>
               <a:rPr lang="en-US" sz="1400" dirty="0" smtClean="0"/>
               <a:t>“Markus”</a:t>
+            </a:r>
+            <a:endParaRPr lang="en-US" sz="1400" dirty="0"/>
+          </a:p>
+        </p:txBody>
+      </p:sp>
+      <p:sp>
+        <p:nvSpPr>
+          <p:cNvPr id="82" name="Oval 81"/>
+          <p:cNvSpPr/>
+          <p:nvPr/>
+        </p:nvSpPr>
+        <p:spPr>
+          <a:xfrm>
+            <a:off x="2467927" y="3169941"/>
+            <a:ext cx="183071" cy="183071"/>
+          </a:xfrm>
+          <a:prstGeom prst="ellipse">
+            <a:avLst/>
+          </a:prstGeom>
+          <a:solidFill>
+            <a:srgbClr val="000000"/>
+          </a:solidFill>
+          <a:ln>
+            <a:solidFill>
+              <a:schemeClr val="tx1"/>
+            </a:solidFill>
+          </a:ln>
+        </p:spPr>
+        <p:style>
+          <a:lnRef idx="1">
+            <a:schemeClr val="accent1"/>
+          </a:lnRef>
+          <a:fillRef idx="3">
+            <a:schemeClr val="accent1"/>
+          </a:fillRef>
+          <a:effectRef idx="2">
+            <a:schemeClr val="accent1"/>
+          </a:effectRef>
+          <a:fontRef idx="minor">
+            <a:schemeClr val="lt1"/>
+          </a:fontRef>
+        </p:style>
+        <p:txBody>
+          <a:bodyPr rtlCol="0" anchor="ctr"/>
+          <a:lstStyle/>
+          <a:p>
+            <a:pPr algn="ctr"/>
+            <a:endParaRPr lang="en-US" sz="1400"/>
+          </a:p>
+        </p:txBody>
+      </p:sp>
+      <p:cxnSp>
+        <p:nvCxnSpPr>
+          <p:cNvPr id="83" name="Curved Connector 82"/>
+          <p:cNvCxnSpPr>
+            <a:stCxn id="297" idx="4"/>
+            <a:endCxn id="82" idx="2"/>
+          </p:cNvCxnSpPr>
+          <p:nvPr/>
+        </p:nvCxnSpPr>
+        <p:spPr>
+          <a:xfrm rot="16200000" flipH="1">
+            <a:off x="2024263" y="2817812"/>
+            <a:ext cx="190405" cy="696923"/>
+          </a:xfrm>
+          <a:prstGeom prst="curvedConnector2">
+            <a:avLst/>
+          </a:prstGeom>
+          <a:ln>
+            <a:solidFill>
+              <a:schemeClr val="tx1"/>
+            </a:solidFill>
+            <a:prstDash val="solid"/>
+            <a:tailEnd type="arrow"/>
+          </a:ln>
+        </p:spPr>
+        <p:style>
+          <a:lnRef idx="2">
+            <a:schemeClr val="accent1"/>
+          </a:lnRef>
+          <a:fillRef idx="0">
+            <a:schemeClr val="accent1"/>
+          </a:fillRef>
+          <a:effectRef idx="1">
+            <a:schemeClr val="accent1"/>
+          </a:effectRef>
+          <a:fontRef idx="minor">
+            <a:schemeClr val="tx1"/>
+          </a:fontRef>
+        </p:style>
+      </p:cxnSp>
+      <p:sp>
+        <p:nvSpPr>
+          <p:cNvPr id="89" name="TextBox 88"/>
+          <p:cNvSpPr txBox="1"/>
+          <p:nvPr/>
+        </p:nvSpPr>
+        <p:spPr>
+          <a:xfrm>
+            <a:off x="1852137" y="2825647"/>
+            <a:ext cx="1152881" cy="307777"/>
+          </a:xfrm>
+          <a:prstGeom prst="rect">
+            <a:avLst/>
+          </a:prstGeom>
+          <a:noFill/>
+        </p:spPr>
+        <p:txBody>
+          <a:bodyPr wrap="none" rtlCol="0">
+            <a:spAutoFit/>
+          </a:bodyPr>
+          <a:lstStyle/>
+          <a:p>
+            <a:pPr algn="ctr"/>
+            <a:r>
+              <a:rPr lang="en-US" sz="1400" dirty="0" smtClean="0"/>
+              <a:t>!&lt;username&gt;</a:t>
+            </a:r>
+            <a:endParaRPr lang="en-US" sz="1400" dirty="0"/>
+          </a:p>
+        </p:txBody>
+      </p:sp>
+      <p:cxnSp>
+        <p:nvCxnSpPr>
+          <p:cNvPr id="90" name="Curved Connector 89"/>
+          <p:cNvCxnSpPr>
+            <a:stCxn id="82" idx="4"/>
+            <a:endCxn id="153" idx="0"/>
+          </p:cNvCxnSpPr>
+          <p:nvPr/>
+        </p:nvCxnSpPr>
+        <p:spPr>
+          <a:xfrm rot="16200000" flipH="1">
+            <a:off x="2245855" y="3666620"/>
+            <a:ext cx="628242" cy="1026"/>
+          </a:xfrm>
+          <a:prstGeom prst="curvedConnector3">
+            <a:avLst>
+              <a:gd name="adj1" fmla="val 50000"/>
+            </a:avLst>
+          </a:prstGeom>
+          <a:ln>
+            <a:solidFill>
+              <a:schemeClr val="tx1"/>
+            </a:solidFill>
+            <a:prstDash val="dash"/>
+            <a:tailEnd type="arrow"/>
+          </a:ln>
+        </p:spPr>
+        <p:style>
+          <a:lnRef idx="2">
+            <a:schemeClr val="accent1"/>
+          </a:lnRef>
+          <a:fillRef idx="0">
+            <a:schemeClr val="accent1"/>
+          </a:fillRef>
+          <a:effectRef idx="1">
+            <a:schemeClr val="accent1"/>
+          </a:effectRef>
+          <a:fontRef idx="minor">
+            <a:schemeClr val="tx1"/>
+          </a:fontRef>
+        </p:style>
+      </p:cxnSp>
+      <p:sp>
+        <p:nvSpPr>
+          <p:cNvPr id="94" name="TextBox 93"/>
+          <p:cNvSpPr txBox="1"/>
+          <p:nvPr/>
+        </p:nvSpPr>
+        <p:spPr>
+          <a:xfrm>
+            <a:off x="2556806" y="3379390"/>
+            <a:ext cx="388248" cy="307777"/>
+          </a:xfrm>
+          <a:prstGeom prst="rect">
+            <a:avLst/>
+          </a:prstGeom>
+          <a:noFill/>
+        </p:spPr>
+        <p:txBody>
+          <a:bodyPr wrap="none" rtlCol="0">
+            <a:spAutoFit/>
+          </a:bodyPr>
+          <a:lstStyle/>
+          <a:p>
+            <a:pPr algn="ctr"/>
+            <a:r>
+              <a:rPr lang="en-US" sz="1400" dirty="0" smtClean="0"/>
+              <a:t>$is</a:t>
             </a:r>
             <a:endParaRPr lang="en-US" sz="1400" dirty="0"/>
           </a:p>

--- a/resources/xdi2-connector-personal.pptx
+++ b/resources/xdi2-connector-personal.pptx
@@ -196,7 +196,7 @@
             <a:fld id="{B1ACB323-EB0D-6F46-BE28-3F6B6C6249FA}" type="datetimeFigureOut">
               <a:rPr lang="en-US" smtClean="0"/>
               <a:pPr/>
-              <a:t>8/17/2012</a:t>
+              <a:t>8/21/2012</a:t>
             </a:fld>
             <a:endParaRPr lang="en-US"/>
           </a:p>
@@ -364,7 +364,7 @@
             <a:fld id="{659687F0-3512-864A-899D-C30E93E665FC}" type="datetimeFigureOut">
               <a:rPr lang="en-US" smtClean="0"/>
               <a:pPr/>
-              <a:t>8/17/2012</a:t>
+              <a:t>8/21/2012</a:t>
             </a:fld>
             <a:endParaRPr lang="en-US"/>
           </a:p>
@@ -818,7 +818,7 @@
             <a:fld id="{CC19B390-26DE-EC42-9536-DB4D5D42F353}" type="datetime1">
               <a:rPr lang="en-US" smtClean="0"/>
               <a:pPr/>
-              <a:t>8/17/2012</a:t>
+              <a:t>8/21/2012</a:t>
             </a:fld>
             <a:endParaRPr lang="en-US"/>
           </a:p>
@@ -985,7 +985,7 @@
             <a:fld id="{F87380A3-F082-184B-B91D-D15A611F50C5}" type="datetime1">
               <a:rPr lang="en-US" smtClean="0"/>
               <a:pPr/>
-              <a:t>8/17/2012</a:t>
+              <a:t>8/21/2012</a:t>
             </a:fld>
             <a:endParaRPr lang="en-US"/>
           </a:p>
@@ -1162,7 +1162,7 @@
             <a:fld id="{59758453-BBA4-CE44-A510-94BAAAA8F10B}" type="datetime1">
               <a:rPr lang="en-US" smtClean="0"/>
               <a:pPr/>
-              <a:t>8/17/2012</a:t>
+              <a:t>8/21/2012</a:t>
             </a:fld>
             <a:endParaRPr lang="en-US"/>
           </a:p>
@@ -1329,7 +1329,7 @@
             <a:fld id="{4DB4D5F1-4E70-634B-AFDD-C92141017ACE}" type="datetime1">
               <a:rPr lang="en-US" smtClean="0"/>
               <a:pPr/>
-              <a:t>8/17/2012</a:t>
+              <a:t>8/21/2012</a:t>
             </a:fld>
             <a:endParaRPr lang="en-US"/>
           </a:p>
@@ -1572,7 +1572,7 @@
             <a:fld id="{83642C8F-6EF3-6C40-A110-6652134D9B54}" type="datetime1">
               <a:rPr lang="en-US" smtClean="0"/>
               <a:pPr/>
-              <a:t>8/17/2012</a:t>
+              <a:t>8/21/2012</a:t>
             </a:fld>
             <a:endParaRPr lang="en-US"/>
           </a:p>
@@ -1857,7 +1857,7 @@
             <a:fld id="{D79BD240-69C9-8941-987E-F054C3F70DC0}" type="datetime1">
               <a:rPr lang="en-US" smtClean="0"/>
               <a:pPr/>
-              <a:t>8/17/2012</a:t>
+              <a:t>8/21/2012</a:t>
             </a:fld>
             <a:endParaRPr lang="en-US"/>
           </a:p>
@@ -2281,7 +2281,7 @@
             <a:fld id="{8D48398B-5EC2-A54F-9B77-ECC2014EA132}" type="datetime1">
               <a:rPr lang="en-US" smtClean="0"/>
               <a:pPr/>
-              <a:t>8/17/2012</a:t>
+              <a:t>8/21/2012</a:t>
             </a:fld>
             <a:endParaRPr lang="en-US"/>
           </a:p>
@@ -2396,7 +2396,7 @@
             <a:fld id="{C5779240-87A5-4E47-9DCF-A877F1ADEE48}" type="datetime1">
               <a:rPr lang="en-US" smtClean="0"/>
               <a:pPr/>
-              <a:t>8/17/2012</a:t>
+              <a:t>8/21/2012</a:t>
             </a:fld>
             <a:endParaRPr lang="en-US"/>
           </a:p>
@@ -2488,7 +2488,7 @@
             <a:fld id="{F8899BAC-432A-014B-A7BE-81B8A7662BA7}" type="datetime1">
               <a:rPr lang="en-US" smtClean="0"/>
               <a:pPr/>
-              <a:t>8/17/2012</a:t>
+              <a:t>8/21/2012</a:t>
             </a:fld>
             <a:endParaRPr lang="en-US"/>
           </a:p>
@@ -2762,7 +2762,7 @@
             <a:fld id="{73F8D0E9-002B-CD49-B2EA-EA3BEB4C8953}" type="datetime1">
               <a:rPr lang="en-US" smtClean="0"/>
               <a:pPr/>
-              <a:t>8/17/2012</a:t>
+              <a:t>8/21/2012</a:t>
             </a:fld>
             <a:endParaRPr lang="en-US"/>
           </a:p>
@@ -3012,7 +3012,7 @@
             <a:fld id="{9A4C8C76-0E14-CF4C-BA20-2D8AACF85795}" type="datetime1">
               <a:rPr lang="en-US" smtClean="0"/>
               <a:pPr/>
-              <a:t>8/17/2012</a:t>
+              <a:t>8/21/2012</a:t>
             </a:fld>
             <a:endParaRPr lang="en-US"/>
           </a:p>
@@ -3222,7 +3222,7 @@
             <a:fld id="{56489049-FEDB-2345-9323-8517DEF5E780}" type="datetime1">
               <a:rPr lang="en-US" smtClean="0"/>
               <a:pPr/>
-              <a:t>8/17/2012</a:t>
+              <a:t>8/21/2012</a:t>
             </a:fld>
             <a:endParaRPr lang="en-US"/>
           </a:p>
@@ -3794,7 +3794,7 @@
         </p:nvSpPr>
         <p:spPr>
           <a:xfrm>
-            <a:off x="3495555" y="3234289"/>
+            <a:off x="3299663" y="3234289"/>
             <a:ext cx="2268973" cy="537746"/>
           </a:xfrm>
           <a:prstGeom prst="rect">
@@ -4740,7 +4740,7 @@
         </p:nvSpPr>
         <p:spPr>
           <a:xfrm>
-            <a:off x="2286181" y="1777503"/>
+            <a:off x="2163386" y="1777503"/>
             <a:ext cx="2383700" cy="541650"/>
           </a:xfrm>
           <a:prstGeom prst="rect">

--- a/resources/xdi2-connector-personal.pptx
+++ b/resources/xdi2-connector-personal.pptx
@@ -196,7 +196,7 @@
             <a:fld id="{B1ACB323-EB0D-6F46-BE28-3F6B6C6249FA}" type="datetimeFigureOut">
               <a:rPr lang="en-US" smtClean="0"/>
               <a:pPr/>
-              <a:t>8/21/2012</a:t>
+              <a:t>10/11/2012</a:t>
             </a:fld>
             <a:endParaRPr lang="en-US"/>
           </a:p>
@@ -364,7 +364,7 @@
             <a:fld id="{659687F0-3512-864A-899D-C30E93E665FC}" type="datetimeFigureOut">
               <a:rPr lang="en-US" smtClean="0"/>
               <a:pPr/>
-              <a:t>8/21/2012</a:t>
+              <a:t>10/11/2012</a:t>
             </a:fld>
             <a:endParaRPr lang="en-US"/>
           </a:p>
@@ -818,7 +818,7 @@
             <a:fld id="{CC19B390-26DE-EC42-9536-DB4D5D42F353}" type="datetime1">
               <a:rPr lang="en-US" smtClean="0"/>
               <a:pPr/>
-              <a:t>8/21/2012</a:t>
+              <a:t>10/11/2012</a:t>
             </a:fld>
             <a:endParaRPr lang="en-US"/>
           </a:p>
@@ -985,7 +985,7 @@
             <a:fld id="{F87380A3-F082-184B-B91D-D15A611F50C5}" type="datetime1">
               <a:rPr lang="en-US" smtClean="0"/>
               <a:pPr/>
-              <a:t>8/21/2012</a:t>
+              <a:t>10/11/2012</a:t>
             </a:fld>
             <a:endParaRPr lang="en-US"/>
           </a:p>
@@ -1162,7 +1162,7 @@
             <a:fld id="{59758453-BBA4-CE44-A510-94BAAAA8F10B}" type="datetime1">
               <a:rPr lang="en-US" smtClean="0"/>
               <a:pPr/>
-              <a:t>8/21/2012</a:t>
+              <a:t>10/11/2012</a:t>
             </a:fld>
             <a:endParaRPr lang="en-US"/>
           </a:p>
@@ -1329,7 +1329,7 @@
             <a:fld id="{4DB4D5F1-4E70-634B-AFDD-C92141017ACE}" type="datetime1">
               <a:rPr lang="en-US" smtClean="0"/>
               <a:pPr/>
-              <a:t>8/21/2012</a:t>
+              <a:t>10/11/2012</a:t>
             </a:fld>
             <a:endParaRPr lang="en-US"/>
           </a:p>
@@ -1572,7 +1572,7 @@
             <a:fld id="{83642C8F-6EF3-6C40-A110-6652134D9B54}" type="datetime1">
               <a:rPr lang="en-US" smtClean="0"/>
               <a:pPr/>
-              <a:t>8/21/2012</a:t>
+              <a:t>10/11/2012</a:t>
             </a:fld>
             <a:endParaRPr lang="en-US"/>
           </a:p>
@@ -1857,7 +1857,7 @@
             <a:fld id="{D79BD240-69C9-8941-987E-F054C3F70DC0}" type="datetime1">
               <a:rPr lang="en-US" smtClean="0"/>
               <a:pPr/>
-              <a:t>8/21/2012</a:t>
+              <a:t>10/11/2012</a:t>
             </a:fld>
             <a:endParaRPr lang="en-US"/>
           </a:p>
@@ -2281,7 +2281,7 @@
             <a:fld id="{8D48398B-5EC2-A54F-9B77-ECC2014EA132}" type="datetime1">
               <a:rPr lang="en-US" smtClean="0"/>
               <a:pPr/>
-              <a:t>8/21/2012</a:t>
+              <a:t>10/11/2012</a:t>
             </a:fld>
             <a:endParaRPr lang="en-US"/>
           </a:p>
@@ -2396,7 +2396,7 @@
             <a:fld id="{C5779240-87A5-4E47-9DCF-A877F1ADEE48}" type="datetime1">
               <a:rPr lang="en-US" smtClean="0"/>
               <a:pPr/>
-              <a:t>8/21/2012</a:t>
+              <a:t>10/11/2012</a:t>
             </a:fld>
             <a:endParaRPr lang="en-US"/>
           </a:p>
@@ -2488,7 +2488,7 @@
             <a:fld id="{F8899BAC-432A-014B-A7BE-81B8A7662BA7}" type="datetime1">
               <a:rPr lang="en-US" smtClean="0"/>
               <a:pPr/>
-              <a:t>8/21/2012</a:t>
+              <a:t>10/11/2012</a:t>
             </a:fld>
             <a:endParaRPr lang="en-US"/>
           </a:p>
@@ -2762,7 +2762,7 @@
             <a:fld id="{73F8D0E9-002B-CD49-B2EA-EA3BEB4C8953}" type="datetime1">
               <a:rPr lang="en-US" smtClean="0"/>
               <a:pPr/>
-              <a:t>8/21/2012</a:t>
+              <a:t>10/11/2012</a:t>
             </a:fld>
             <a:endParaRPr lang="en-US"/>
           </a:p>
@@ -3012,7 +3012,7 @@
             <a:fld id="{9A4C8C76-0E14-CF4C-BA20-2D8AACF85795}" type="datetime1">
               <a:rPr lang="en-US" smtClean="0"/>
               <a:pPr/>
-              <a:t>8/21/2012</a:t>
+              <a:t>10/11/2012</a:t>
             </a:fld>
             <a:endParaRPr lang="en-US"/>
           </a:p>
@@ -3222,7 +3222,7 @@
             <a:fld id="{56489049-FEDB-2345-9323-8517DEF5E780}" type="datetime1">
               <a:rPr lang="en-US" smtClean="0"/>
               <a:pPr/>
-              <a:t>8/21/2012</a:t>
+              <a:t>10/11/2012</a:t>
             </a:fld>
             <a:endParaRPr lang="en-US"/>
           </a:p>
@@ -4856,8 +4856,8 @@
         </p:nvSpPr>
         <p:spPr>
           <a:xfrm>
-            <a:off x="773063" y="2403798"/>
-            <a:ext cx="1843710" cy="307777"/>
+            <a:off x="693714" y="2403798"/>
+            <a:ext cx="2002408" cy="307777"/>
           </a:xfrm>
           <a:prstGeom prst="rect">
             <a:avLst/>
@@ -4873,7 +4873,15 @@
             <a:pPr algn="ctr"/>
             <a:r>
               <a:rPr lang="en-US" sz="1400" dirty="0" smtClean="0"/>
-              <a:t>(https://personal.com)</a:t>
+              <a:t>+(</a:t>
+            </a:r>
+            <a:r>
+              <a:rPr lang="en-US" sz="1400" dirty="0" smtClean="0"/>
+              <a:t>https://</a:t>
+            </a:r>
+            <a:r>
+              <a:rPr lang="en-US" sz="1400" dirty="0" smtClean="0"/>
+              <a:t>personal.com/)</a:t>
             </a:r>
             <a:endParaRPr lang="en-US" sz="1400" dirty="0"/>
           </a:p>
@@ -5709,8 +5717,8 @@
         </p:nvSpPr>
         <p:spPr>
           <a:xfrm>
-            <a:off x="3970099" y="5506545"/>
-            <a:ext cx="1231171" cy="307777"/>
+            <a:off x="3870713" y="5519607"/>
+            <a:ext cx="2209387" cy="307777"/>
           </a:xfrm>
           <a:prstGeom prst="rect">
             <a:avLst/>
@@ -5726,15 +5734,15 @@
             <a:pPr algn="ctr"/>
             <a:r>
               <a:rPr lang="en-US" sz="1400" dirty="0" smtClean="0"/>
-              <a:t>$!(</a:t>
+              <a:t>$!(+(</a:t>
             </a:r>
             <a:r>
               <a:rPr lang="en-US" sz="1400" dirty="0" err="1" smtClean="0"/>
-              <a:t>first_name</a:t>
+              <a:t>preferred_first_name</a:t>
             </a:r>
             <a:r>
               <a:rPr lang="en-US" sz="1400" dirty="0" smtClean="0"/>
-              <a:t>)</a:t>
+              <a:t>))</a:t>
             </a:r>
             <a:endParaRPr lang="en-US" sz="1400" dirty="0"/>
           </a:p>
@@ -5844,13 +5852,13 @@
       </p:sp>
       <p:sp>
         <p:nvSpPr>
-          <p:cNvPr id="210" name="Oval 209"/>
+          <p:cNvPr id="217" name="Oval 216"/>
           <p:cNvSpPr/>
           <p:nvPr/>
         </p:nvSpPr>
         <p:spPr>
           <a:xfrm>
-            <a:off x="3172165" y="5001878"/>
+            <a:off x="3754400" y="5435301"/>
             <a:ext cx="183071" cy="183071"/>
           </a:xfrm>
           <a:prstGeom prst="ellipse">
@@ -5890,17 +5898,17 @@
       </p:sp>
       <p:cxnSp>
         <p:nvCxnSpPr>
-          <p:cNvPr id="211" name="Curved Connector 210"/>
+          <p:cNvPr id="220" name="Curved Connector 219"/>
           <p:cNvCxnSpPr>
             <a:stCxn id="153" idx="4"/>
-            <a:endCxn id="210" idx="2"/>
+            <a:endCxn id="217" idx="2"/>
           </p:cNvCxnSpPr>
           <p:nvPr/>
         </p:nvCxnSpPr>
         <p:spPr>
           <a:xfrm rot="16200000" flipH="1">
-            <a:off x="2401783" y="4323031"/>
-            <a:ext cx="929089" cy="611676"/>
+            <a:off x="2476188" y="4248625"/>
+            <a:ext cx="1362512" cy="1193911"/>
           </a:xfrm>
           <a:prstGeom prst="curvedConnector2">
             <a:avLst/>
@@ -5930,14 +5938,14 @@
       </p:cxnSp>
       <p:sp>
         <p:nvSpPr>
-          <p:cNvPr id="215" name="TextBox 214"/>
+          <p:cNvPr id="284" name="TextBox 283"/>
           <p:cNvSpPr txBox="1"/>
           <p:nvPr/>
         </p:nvSpPr>
         <p:spPr>
           <a:xfrm>
-            <a:off x="2644765" y="4495131"/>
-            <a:ext cx="590354" cy="307777"/>
+            <a:off x="3011879" y="4882067"/>
+            <a:ext cx="748924" cy="307777"/>
           </a:xfrm>
           <a:prstGeom prst="rect">
             <a:avLst/>
@@ -5953,132 +5961,7 @@
             <a:pPr algn="ctr"/>
             <a:r>
               <a:rPr lang="en-US" sz="1400" dirty="0" smtClean="0"/>
-              <a:t>+gem</a:t>
-            </a:r>
-            <a:endParaRPr lang="en-US" sz="1400" dirty="0"/>
-          </a:p>
-        </p:txBody>
-      </p:sp>
-      <p:sp>
-        <p:nvSpPr>
-          <p:cNvPr id="217" name="Oval 216"/>
-          <p:cNvSpPr/>
-          <p:nvPr/>
-        </p:nvSpPr>
-        <p:spPr>
-          <a:xfrm>
-            <a:off x="3754400" y="5435301"/>
-            <a:ext cx="183071" cy="183071"/>
-          </a:xfrm>
-          <a:prstGeom prst="ellipse">
-            <a:avLst/>
-          </a:prstGeom>
-          <a:solidFill>
-            <a:srgbClr val="000000"/>
-          </a:solidFill>
-          <a:ln>
-            <a:solidFill>
-              <a:schemeClr val="tx1"/>
-            </a:solidFill>
-          </a:ln>
-        </p:spPr>
-        <p:style>
-          <a:lnRef idx="1">
-            <a:schemeClr val="accent1"/>
-          </a:lnRef>
-          <a:fillRef idx="3">
-            <a:schemeClr val="accent1"/>
-          </a:fillRef>
-          <a:effectRef idx="2">
-            <a:schemeClr val="accent1"/>
-          </a:effectRef>
-          <a:fontRef idx="minor">
-            <a:schemeClr val="lt1"/>
-          </a:fontRef>
-        </p:style>
-        <p:txBody>
-          <a:bodyPr rtlCol="0" anchor="ctr"/>
-          <a:lstStyle/>
-          <a:p>
-            <a:pPr algn="ctr"/>
-            <a:endParaRPr lang="en-US" sz="1400"/>
-          </a:p>
-        </p:txBody>
-      </p:sp>
-      <p:cxnSp>
-        <p:nvCxnSpPr>
-          <p:cNvPr id="220" name="Curved Connector 219"/>
-          <p:cNvCxnSpPr>
-            <a:stCxn id="210" idx="4"/>
-            <a:endCxn id="217" idx="2"/>
-          </p:cNvCxnSpPr>
-          <p:nvPr/>
-        </p:nvCxnSpPr>
-        <p:spPr>
-          <a:xfrm rot="16200000" flipH="1">
-            <a:off x="3338106" y="5110543"/>
-            <a:ext cx="341888" cy="490699"/>
-          </a:xfrm>
-          <a:prstGeom prst="curvedConnector2">
-            <a:avLst/>
-          </a:prstGeom>
-          <a:ln>
-            <a:solidFill>
-              <a:schemeClr val="tx1"/>
-            </a:solidFill>
-            <a:prstDash val="solid"/>
-            <a:tailEnd type="arrow"/>
-          </a:ln>
-        </p:spPr>
-        <p:style>
-          <a:lnRef idx="2">
-            <a:schemeClr val="accent1"/>
-          </a:lnRef>
-          <a:fillRef idx="0">
-            <a:schemeClr val="accent1"/>
-          </a:fillRef>
-          <a:effectRef idx="1">
-            <a:schemeClr val="accent1"/>
-          </a:effectRef>
-          <a:fontRef idx="minor">
-            <a:schemeClr val="tx1"/>
-          </a:fontRef>
-        </p:style>
-      </p:cxnSp>
-      <p:sp>
-        <p:nvSpPr>
-          <p:cNvPr id="284" name="TextBox 283"/>
-          <p:cNvSpPr txBox="1"/>
-          <p:nvPr/>
-        </p:nvSpPr>
-        <p:spPr>
-          <a:xfrm>
-            <a:off x="3347616" y="5078691"/>
-            <a:ext cx="1164229" cy="307777"/>
-          </a:xfrm>
-          <a:prstGeom prst="rect">
-            <a:avLst/>
-          </a:prstGeom>
-          <a:noFill/>
-        </p:spPr>
-        <p:txBody>
-          <a:bodyPr wrap="none" rtlCol="0">
-            <a:spAutoFit/>
-          </a:bodyPr>
-          <a:lstStyle/>
-          <a:p>
-            <a:pPr algn="ctr"/>
-            <a:r>
-              <a:rPr lang="en-US" sz="1400" dirty="0" smtClean="0"/>
-              <a:t>$(!&lt;</a:t>
-            </a:r>
-            <a:r>
-              <a:rPr lang="en-US" sz="1400" dirty="0" err="1" smtClean="0"/>
-              <a:t>gem_id</a:t>
-            </a:r>
-            <a:r>
-              <a:rPr lang="en-US" sz="1400" dirty="0" smtClean="0"/>
-              <a:t>&gt;)</a:t>
+              <a:t>+(0000)</a:t>
             </a:r>
             <a:endParaRPr lang="en-US" sz="1400" dirty="0"/>
           </a:p>
